--- a/Router and Routing.pptx
+++ b/Router and Routing.pptx
@@ -120,6 +120,11 @@
       </a:defRPr>
     </a:lvl9pPr>
   </p:defaultTextStyle>
+  <p:extLst>
+    <p:ext uri="{EFAFB233-063F-42B5-8137-9DF3F51BA10A}">
+      <p15:sldGuideLst xmlns:p15="http://schemas.microsoft.com/office/powerpoint/2012/main"/>
+    </p:ext>
+  </p:extLst>
 </p:presentation>
 </file>
 
@@ -205,7 +210,7 @@
           <a:p>
             <a:fld id="{CBC17B05-9D03-4BF6-A9C0-A81AA640CB4B}" type="datetimeFigureOut">
               <a:rPr lang="en-IN" smtClean="0"/>
-              <a:t>25-04-2023</a:t>
+              <a:t>10-08-2023</a:t>
             </a:fld>
             <a:endParaRPr lang="en-IN"/>
           </a:p>
@@ -2161,7 +2166,7 @@
           <a:p>
             <a:fld id="{9368BBF1-28B3-4DD0-8846-1E204B12698D}" type="datetimeFigureOut">
               <a:rPr lang="en-IN" smtClean="0"/>
-              <a:t>25-04-2023</a:t>
+              <a:t>10-08-2023</a:t>
             </a:fld>
             <a:endParaRPr lang="en-IN"/>
           </a:p>
@@ -2361,7 +2366,7 @@
           <a:p>
             <a:fld id="{9368BBF1-28B3-4DD0-8846-1E204B12698D}" type="datetimeFigureOut">
               <a:rPr lang="en-IN" smtClean="0"/>
-              <a:t>25-04-2023</a:t>
+              <a:t>10-08-2023</a:t>
             </a:fld>
             <a:endParaRPr lang="en-IN"/>
           </a:p>
@@ -2571,7 +2576,7 @@
           <a:p>
             <a:fld id="{9368BBF1-28B3-4DD0-8846-1E204B12698D}" type="datetimeFigureOut">
               <a:rPr lang="en-IN" smtClean="0"/>
-              <a:t>25-04-2023</a:t>
+              <a:t>10-08-2023</a:t>
             </a:fld>
             <a:endParaRPr lang="en-IN"/>
           </a:p>
@@ -2771,7 +2776,7 @@
           <a:p>
             <a:fld id="{9368BBF1-28B3-4DD0-8846-1E204B12698D}" type="datetimeFigureOut">
               <a:rPr lang="en-IN" smtClean="0"/>
-              <a:t>25-04-2023</a:t>
+              <a:t>10-08-2023</a:t>
             </a:fld>
             <a:endParaRPr lang="en-IN"/>
           </a:p>
@@ -3047,7 +3052,7 @@
           <a:p>
             <a:fld id="{9368BBF1-28B3-4DD0-8846-1E204B12698D}" type="datetimeFigureOut">
               <a:rPr lang="en-IN" smtClean="0"/>
-              <a:t>25-04-2023</a:t>
+              <a:t>10-08-2023</a:t>
             </a:fld>
             <a:endParaRPr lang="en-IN"/>
           </a:p>
@@ -3315,7 +3320,7 @@
           <a:p>
             <a:fld id="{9368BBF1-28B3-4DD0-8846-1E204B12698D}" type="datetimeFigureOut">
               <a:rPr lang="en-IN" smtClean="0"/>
-              <a:t>25-04-2023</a:t>
+              <a:t>10-08-2023</a:t>
             </a:fld>
             <a:endParaRPr lang="en-IN"/>
           </a:p>
@@ -3730,7 +3735,7 @@
           <a:p>
             <a:fld id="{9368BBF1-28B3-4DD0-8846-1E204B12698D}" type="datetimeFigureOut">
               <a:rPr lang="en-IN" smtClean="0"/>
-              <a:t>25-04-2023</a:t>
+              <a:t>10-08-2023</a:t>
             </a:fld>
             <a:endParaRPr lang="en-IN"/>
           </a:p>
@@ -3872,7 +3877,7 @@
           <a:p>
             <a:fld id="{9368BBF1-28B3-4DD0-8846-1E204B12698D}" type="datetimeFigureOut">
               <a:rPr lang="en-IN" smtClean="0"/>
-              <a:t>25-04-2023</a:t>
+              <a:t>10-08-2023</a:t>
             </a:fld>
             <a:endParaRPr lang="en-IN"/>
           </a:p>
@@ -3985,7 +3990,7 @@
           <a:p>
             <a:fld id="{9368BBF1-28B3-4DD0-8846-1E204B12698D}" type="datetimeFigureOut">
               <a:rPr lang="en-IN" smtClean="0"/>
-              <a:t>25-04-2023</a:t>
+              <a:t>10-08-2023</a:t>
             </a:fld>
             <a:endParaRPr lang="en-IN"/>
           </a:p>
@@ -4298,7 +4303,7 @@
           <a:p>
             <a:fld id="{9368BBF1-28B3-4DD0-8846-1E204B12698D}" type="datetimeFigureOut">
               <a:rPr lang="en-IN" smtClean="0"/>
-              <a:t>25-04-2023</a:t>
+              <a:t>10-08-2023</a:t>
             </a:fld>
             <a:endParaRPr lang="en-IN"/>
           </a:p>
@@ -4587,7 +4592,7 @@
           <a:p>
             <a:fld id="{9368BBF1-28B3-4DD0-8846-1E204B12698D}" type="datetimeFigureOut">
               <a:rPr lang="en-IN" smtClean="0"/>
-              <a:t>25-04-2023</a:t>
+              <a:t>10-08-2023</a:t>
             </a:fld>
             <a:endParaRPr lang="en-IN"/>
           </a:p>
@@ -4830,7 +4835,7 @@
           <a:p>
             <a:fld id="{9368BBF1-28B3-4DD0-8846-1E204B12698D}" type="datetimeFigureOut">
               <a:rPr lang="en-IN" smtClean="0"/>
-              <a:t>25-04-2023</a:t>
+              <a:t>10-08-2023</a:t>
             </a:fld>
             <a:endParaRPr lang="en-IN"/>
           </a:p>
@@ -5275,31 +5280,6 @@
           </a:p>
         </p:txBody>
       </p:sp>
-      <p:sp>
-        <p:nvSpPr>
-          <p:cNvPr id="5" name="Text Placeholder 4">
-            <a:extLst>
-              <a:ext uri="{FF2B5EF4-FFF2-40B4-BE49-F238E27FC236}">
-                <a16:creationId xmlns:a16="http://schemas.microsoft.com/office/drawing/2014/main" id="{950DC7F4-4801-D9DB-497C-737ECAD37CDB}"/>
-              </a:ext>
-            </a:extLst>
-          </p:cNvPr>
-          <p:cNvSpPr>
-            <a:spLocks noGrp="1"/>
-          </p:cNvSpPr>
-          <p:nvPr>
-            <p:ph type="body" idx="1"/>
-          </p:nvPr>
-        </p:nvSpPr>
-        <p:spPr/>
-        <p:txBody>
-          <a:bodyPr/>
-          <a:lstStyle/>
-          <a:p>
-            <a:endParaRPr lang="en-IN"/>
-          </a:p>
-        </p:txBody>
-      </p:sp>
     </p:spTree>
     <p:extLst>
       <p:ext uri="{BB962C8B-B14F-4D97-AF65-F5344CB8AC3E}">
@@ -7998,31 +7978,6 @@
           </a:p>
         </p:txBody>
       </p:sp>
-      <p:sp>
-        <p:nvSpPr>
-          <p:cNvPr id="3" name="Content Placeholder 2">
-            <a:extLst>
-              <a:ext uri="{FF2B5EF4-FFF2-40B4-BE49-F238E27FC236}">
-                <a16:creationId xmlns:a16="http://schemas.microsoft.com/office/drawing/2014/main" id="{CF9B0B99-C894-BAD3-3A81-ECFC9D4778F6}"/>
-              </a:ext>
-            </a:extLst>
-          </p:cNvPr>
-          <p:cNvSpPr>
-            <a:spLocks noGrp="1"/>
-          </p:cNvSpPr>
-          <p:nvPr>
-            <p:ph idx="1"/>
-          </p:nvPr>
-        </p:nvSpPr>
-        <p:spPr/>
-        <p:txBody>
-          <a:bodyPr/>
-          <a:lstStyle/>
-          <a:p>
-            <a:endParaRPr lang="en-IN"/>
-          </a:p>
-        </p:txBody>
-      </p:sp>
       <p:pic>
         <p:nvPicPr>
           <p:cNvPr id="5" name="Picture 4">
@@ -8438,31 +8393,6 @@
           </a:p>
         </p:txBody>
       </p:sp>
-      <p:sp>
-        <p:nvSpPr>
-          <p:cNvPr id="3" name="Content Placeholder 2">
-            <a:extLst>
-              <a:ext uri="{FF2B5EF4-FFF2-40B4-BE49-F238E27FC236}">
-                <a16:creationId xmlns:a16="http://schemas.microsoft.com/office/drawing/2014/main" id="{D20DF936-D870-8F95-B426-0A1389BBD5E6}"/>
-              </a:ext>
-            </a:extLst>
-          </p:cNvPr>
-          <p:cNvSpPr>
-            <a:spLocks noGrp="1"/>
-          </p:cNvSpPr>
-          <p:nvPr>
-            <p:ph idx="1"/>
-          </p:nvPr>
-        </p:nvSpPr>
-        <p:spPr/>
-        <p:txBody>
-          <a:bodyPr/>
-          <a:lstStyle/>
-          <a:p>
-            <a:endParaRPr lang="en-IN"/>
-          </a:p>
-        </p:txBody>
-      </p:sp>
       <p:pic>
         <p:nvPicPr>
           <p:cNvPr id="5" name="Picture 4">
@@ -8835,31 +8765,6 @@
           </a:p>
         </p:txBody>
       </p:sp>
-      <p:sp>
-        <p:nvSpPr>
-          <p:cNvPr id="3" name="Content Placeholder 2">
-            <a:extLst>
-              <a:ext uri="{FF2B5EF4-FFF2-40B4-BE49-F238E27FC236}">
-                <a16:creationId xmlns:a16="http://schemas.microsoft.com/office/drawing/2014/main" id="{FBD6199D-A3DE-F356-20AE-0890C6B90D03}"/>
-              </a:ext>
-            </a:extLst>
-          </p:cNvPr>
-          <p:cNvSpPr>
-            <a:spLocks noGrp="1"/>
-          </p:cNvSpPr>
-          <p:nvPr>
-            <p:ph idx="1"/>
-          </p:nvPr>
-        </p:nvSpPr>
-        <p:spPr/>
-        <p:txBody>
-          <a:bodyPr/>
-          <a:lstStyle/>
-          <a:p>
-            <a:endParaRPr lang="en-IN"/>
-          </a:p>
-        </p:txBody>
-      </p:sp>
       <p:pic>
         <p:nvPicPr>
           <p:cNvPr id="5" name="Picture 4">
@@ -8945,31 +8850,6 @@
               <a:rPr lang="en-IN" dirty="0"/>
               <a:t>Distance Vector Routing Example – Step 2</a:t>
             </a:r>
-          </a:p>
-        </p:txBody>
-      </p:sp>
-      <p:sp>
-        <p:nvSpPr>
-          <p:cNvPr id="3" name="Content Placeholder 2">
-            <a:extLst>
-              <a:ext uri="{FF2B5EF4-FFF2-40B4-BE49-F238E27FC236}">
-                <a16:creationId xmlns:a16="http://schemas.microsoft.com/office/drawing/2014/main" id="{FBD6199D-A3DE-F356-20AE-0890C6B90D03}"/>
-              </a:ext>
-            </a:extLst>
-          </p:cNvPr>
-          <p:cNvSpPr>
-            <a:spLocks noGrp="1"/>
-          </p:cNvSpPr>
-          <p:nvPr>
-            <p:ph idx="1"/>
-          </p:nvPr>
-        </p:nvSpPr>
-        <p:spPr/>
-        <p:txBody>
-          <a:bodyPr/>
-          <a:lstStyle/>
-          <a:p>
-            <a:endParaRPr lang="en-IN"/>
           </a:p>
         </p:txBody>
       </p:sp>
